--- a/HTML-Layout-Elemente.pptx
+++ b/HTML-Layout-Elemente.pptx
@@ -7559,7 +7559,7 @@
               </a:lnSpc>
             </a:pPr>
             <a:r>
-              <a:rPr lang="de-DE" sz="1800" dirty="0">
+              <a:rPr lang="de-CH" sz="1800" dirty="0">
                 <a:solidFill>
                   <a:schemeClr val="tx2">
                     <a:lumMod val="40000"/>
@@ -7570,19 +7570,8 @@
                 <a:ea typeface="Calibri" panose="020F0502020204030204" pitchFamily="34" charset="0"/>
                 <a:cs typeface="Angsana New" panose="02020603050405020304" pitchFamily="18" charset="-34"/>
               </a:rPr>
-              <a:t>HTML-Layout-Elemente sind entscheidend, um einer Webseite Struktur und visuelle Attraktivität zu verleihen. In dieser Präsentation werden wir einen detaillierten Überblick über die wichtigsten Layout-Elemente geben und zeigen, wie sie verwendet werden können, um ansprechende Webseiten zu erstellen.</a:t>
+              <a:t>-Entscheidend für die Struktur in der Website</a:t>
             </a:r>
-            <a:endParaRPr lang="de-CH" sz="1800" dirty="0">
-              <a:solidFill>
-                <a:schemeClr val="tx2">
-                  <a:lumMod val="40000"/>
-                  <a:lumOff val="60000"/>
-                </a:schemeClr>
-              </a:solidFill>
-              <a:latin typeface="Angsana New" panose="02020603050405020304" pitchFamily="18" charset="-34"/>
-              <a:ea typeface="Calibri" panose="020F0502020204030204" pitchFamily="34" charset="0"/>
-              <a:cs typeface="Angsana New" panose="02020603050405020304" pitchFamily="18" charset="-34"/>
-            </a:endParaRPr>
           </a:p>
         </p:txBody>
       </p:sp>
@@ -8428,35 +8417,6 @@
           </a:p>
         </p:txBody>
       </p:sp>
-      <p:pic>
-        <p:nvPicPr>
-          <p:cNvPr id="8" name="Picture 7" descr="Sphäre aus Gitter und Knoten">
-            <a:extLst>
-              <a:ext uri="{FF2B5EF4-FFF2-40B4-BE49-F238E27FC236}">
-                <a16:creationId xmlns:a16="http://schemas.microsoft.com/office/drawing/2014/main" id="{10360F89-F31F-7635-92CA-FE3842285240}"/>
-              </a:ext>
-            </a:extLst>
-          </p:cNvPr>
-          <p:cNvPicPr>
-            <a:picLocks noChangeAspect="1"/>
-          </p:cNvPicPr>
-          <p:nvPr/>
-        </p:nvPicPr>
-        <p:blipFill rotWithShape="1">
-          <a:blip r:embed="rId3"/>
-          <a:srcRect l="32170" r="1181"/>
-          <a:stretch/>
-        </p:blipFill>
-        <p:spPr>
-          <a:xfrm>
-            <a:off x="-2" y="10"/>
-            <a:ext cx="6094407" cy="6857990"/>
-          </a:xfrm>
-          <a:prstGeom prst="rect">
-            <a:avLst/>
-          </a:prstGeom>
-        </p:spPr>
-      </p:pic>
       <p:sp>
         <p:nvSpPr>
           <p:cNvPr id="6" name="Rectangle 3">
@@ -8541,33 +8501,71 @@
                 <a:latin typeface="Angsana New" panose="02020603050405020304" pitchFamily="18" charset="-34"/>
                 <a:cs typeface="Angsana New" panose="02020603050405020304" pitchFamily="18" charset="-34"/>
               </a:rPr>
-              <a:t>Der Kopfbereich einer Webseite ist der erste Eindruck, den Besucher erhalten. Das &lt;</a:t>
+              <a:t>-Kopfzeile der Website</a:t>
             </a:r>
+          </a:p>
+          <a:p>
+            <a:pPr marL="0" marR="0" lvl="0" indent="0" defTabSz="914400" rtl="0" eaLnBrk="0" fontAlgn="base" latinLnBrk="0" hangingPunct="0">
+              <a:spcBef>
+                <a:spcPct val="0"/>
+              </a:spcBef>
+              <a:spcAft>
+                <a:spcPts val="600"/>
+              </a:spcAft>
+              <a:buClrTx/>
+              <a:buSzTx/>
+              <a:buFontTx/>
+              <a:buNone/>
+              <a:tabLst/>
+            </a:pPr>
             <a:r>
-              <a:rPr kumimoji="0" lang="de-DE" altLang="de-DE" sz="2400" b="0" i="0" u="none" strike="noStrike" cap="none" normalizeH="0" baseline="0" dirty="0" err="1">
-                <a:ln>
-                  <a:noFill/>
-                </a:ln>
-                <a:effectLst/>
+              <a:rPr lang="de-DE" altLang="de-DE" sz="2400" dirty="0">
                 <a:latin typeface="Angsana New" panose="02020603050405020304" pitchFamily="18" charset="-34"/>
                 <a:cs typeface="Angsana New" panose="02020603050405020304" pitchFamily="18" charset="-34"/>
               </a:rPr>
-              <a:t>header</a:t>
+              <a:t>-Hier steht der Titel</a:t>
             </a:r>
-            <a:r>
-              <a:rPr kumimoji="0" lang="de-DE" altLang="de-DE" sz="2400" b="0" i="0" u="none" strike="noStrike" cap="none" normalizeH="0" baseline="0" dirty="0">
-                <a:ln>
-                  <a:noFill/>
-                </a:ln>
-                <a:effectLst/>
-                <a:latin typeface="Angsana New" panose="02020603050405020304" pitchFamily="18" charset="-34"/>
-                <a:cs typeface="Angsana New" panose="02020603050405020304" pitchFamily="18" charset="-34"/>
-              </a:rPr>
-              <a:t>&gt;-Element ermöglicht die Integration von Logos, Überschriften und Navigationsmenüs, um das Branding und die Navigation zu verbessern. </a:t>
-            </a:r>
-          </a:p>
-        </p:txBody>
-      </p:sp>
+            <a:endParaRPr kumimoji="0" lang="de-DE" altLang="de-DE" sz="2400" b="0" i="0" u="none" strike="noStrike" cap="none" normalizeH="0" baseline="0" dirty="0">
+              <a:ln>
+                <a:noFill/>
+              </a:ln>
+              <a:effectLst/>
+              <a:latin typeface="Angsana New" panose="02020603050405020304" pitchFamily="18" charset="-34"/>
+              <a:cs typeface="Angsana New" panose="02020603050405020304" pitchFamily="18" charset="-34"/>
+            </a:endParaRPr>
+          </a:p>
+        </p:txBody>
+      </p:sp>
+      <p:pic>
+        <p:nvPicPr>
+          <p:cNvPr id="9" name="Grafik 8">
+            <a:extLst>
+              <a:ext uri="{FF2B5EF4-FFF2-40B4-BE49-F238E27FC236}">
+                <a16:creationId xmlns:a16="http://schemas.microsoft.com/office/drawing/2014/main" id="{104F973A-C16D-F49A-03FD-25BC80A17424}"/>
+              </a:ext>
+            </a:extLst>
+          </p:cNvPr>
+          <p:cNvPicPr>
+            <a:picLocks noChangeAspect="1"/>
+          </p:cNvPicPr>
+          <p:nvPr/>
+        </p:nvPicPr>
+        <p:blipFill>
+          <a:blip r:embed="rId3"/>
+          <a:stretch>
+            <a:fillRect/>
+          </a:stretch>
+        </p:blipFill>
+        <p:spPr>
+          <a:xfrm>
+            <a:off x="110334" y="2728912"/>
+            <a:ext cx="6221532" cy="1400175"/>
+          </a:xfrm>
+          <a:prstGeom prst="rect">
+            <a:avLst/>
+          </a:prstGeom>
+        </p:spPr>
+      </p:pic>
     </p:spTree>
     <p:extLst>
       <p:ext uri="{BB962C8B-B14F-4D97-AF65-F5344CB8AC3E}">
@@ -8785,30 +8783,61 @@
                 <a:latin typeface="Angsana New" panose="02020603050405020304" pitchFamily="18" charset="-34"/>
                 <a:cs typeface="Angsana New" panose="02020603050405020304" pitchFamily="18" charset="-34"/>
               </a:rPr>
-              <a:t>Eine intuitive Navigation ist von zentraler Bedeutung für eine gute Benutzererfahrung. Das &lt;</a:t>
+              <a:t>-Die Navigationsbar der Website</a:t>
             </a:r>
+          </a:p>
+          <a:p>
+            <a:pPr marL="0" marR="0" lvl="0" indent="0" defTabSz="914400" rtl="0" eaLnBrk="0" fontAlgn="base" latinLnBrk="0" hangingPunct="0">
+              <a:spcBef>
+                <a:spcPct val="0"/>
+              </a:spcBef>
+              <a:spcAft>
+                <a:spcPts val="600"/>
+              </a:spcAft>
+              <a:buClrTx/>
+              <a:buSzTx/>
+              <a:buFontTx/>
+              <a:buNone/>
+              <a:tabLst/>
+            </a:pPr>
             <a:r>
-              <a:rPr kumimoji="0" lang="de-DE" altLang="de-DE" sz="2400" b="0" i="0" u="none" strike="noStrike" cap="none" normalizeH="0" baseline="0" dirty="0" err="1">
-                <a:ln>
-                  <a:noFill/>
-                </a:ln>
-                <a:effectLst/>
+              <a:rPr lang="de-DE" altLang="de-DE" sz="2400" dirty="0">
                 <a:latin typeface="Angsana New" panose="02020603050405020304" pitchFamily="18" charset="-34"/>
                 <a:cs typeface="Angsana New" panose="02020603050405020304" pitchFamily="18" charset="-34"/>
               </a:rPr>
-              <a:t>nav</a:t>
+              <a:t>-Enthält Elemente, die man anklicken kann, um über die Website zu navigieren</a:t>
             </a:r>
-            <a:r>
-              <a:rPr kumimoji="0" lang="de-DE" altLang="de-DE" sz="2400" b="0" i="0" u="none" strike="noStrike" cap="none" normalizeH="0" baseline="0" dirty="0">
-                <a:ln>
-                  <a:noFill/>
-                </a:ln>
-                <a:effectLst/>
-                <a:latin typeface="Angsana New" panose="02020603050405020304" pitchFamily="18" charset="-34"/>
-                <a:cs typeface="Angsana New" panose="02020603050405020304" pitchFamily="18" charset="-34"/>
-              </a:rPr>
-              <a:t>&gt;-Element erleichtert die Erstellung von Navigationsleisten, in denen Links zu verschiedenen Seiten oder Abschnitten der Webseite platziert werden können. </a:t>
-            </a:r>
+            <a:endParaRPr kumimoji="0" lang="de-DE" altLang="de-DE" sz="2400" b="0" i="0" u="none" strike="noStrike" cap="none" normalizeH="0" baseline="0" dirty="0">
+              <a:ln>
+                <a:noFill/>
+              </a:ln>
+              <a:effectLst/>
+              <a:latin typeface="Angsana New" panose="02020603050405020304" pitchFamily="18" charset="-34"/>
+              <a:cs typeface="Angsana New" panose="02020603050405020304" pitchFamily="18" charset="-34"/>
+            </a:endParaRPr>
+          </a:p>
+          <a:p>
+            <a:pPr marL="0" marR="0" lvl="0" indent="0" defTabSz="914400" rtl="0" eaLnBrk="0" fontAlgn="base" latinLnBrk="0" hangingPunct="0">
+              <a:spcBef>
+                <a:spcPct val="0"/>
+              </a:spcBef>
+              <a:spcAft>
+                <a:spcPts val="600"/>
+              </a:spcAft>
+              <a:buClrTx/>
+              <a:buSzTx/>
+              <a:buFontTx/>
+              <a:buNone/>
+              <a:tabLst/>
+            </a:pPr>
+            <a:endParaRPr kumimoji="0" lang="de-DE" altLang="de-DE" sz="2400" b="0" i="0" u="none" strike="noStrike" cap="none" normalizeH="0" baseline="0" dirty="0">
+              <a:ln>
+                <a:noFill/>
+              </a:ln>
+              <a:effectLst/>
+              <a:latin typeface="Angsana New" panose="02020603050405020304" pitchFamily="18" charset="-34"/>
+              <a:cs typeface="Angsana New" panose="02020603050405020304" pitchFamily="18" charset="-34"/>
+            </a:endParaRPr>
           </a:p>
         </p:txBody>
       </p:sp>
@@ -9644,38 +9673,20 @@
               <a:tabLst/>
             </a:pPr>
             <a:r>
-              <a:rPr kumimoji="0" lang="de-DE" altLang="de-DE" sz="2400" b="0" i="0" u="none" strike="noStrike" cap="none" normalizeH="0" baseline="0" dirty="0">
-                <a:ln>
-                  <a:noFill/>
-                </a:ln>
-                <a:effectLst/>
+              <a:rPr lang="de-DE" altLang="de-DE" sz="2400" dirty="0">
                 <a:latin typeface="Angsana New" panose="02020603050405020304" pitchFamily="18" charset="-34"/>
                 <a:cs typeface="Angsana New" panose="02020603050405020304" pitchFamily="18" charset="-34"/>
               </a:rPr>
-              <a:t>Der Hauptinhalt einer Webseite enthält die wesentlichen Informationen. Durch das &lt;</a:t>
+              <a:t>-In diesem Bereich befinden sich die Hauptinformationen</a:t>
             </a:r>
-            <a:r>
-              <a:rPr kumimoji="0" lang="de-DE" altLang="de-DE" sz="2400" b="0" i="0" u="none" strike="noStrike" cap="none" normalizeH="0" baseline="0" dirty="0" err="1">
-                <a:ln>
-                  <a:noFill/>
-                </a:ln>
-                <a:effectLst/>
-                <a:latin typeface="Angsana New" panose="02020603050405020304" pitchFamily="18" charset="-34"/>
-                <a:cs typeface="Angsana New" panose="02020603050405020304" pitchFamily="18" charset="-34"/>
-              </a:rPr>
-              <a:t>main</a:t>
-            </a:r>
-            <a:r>
-              <a:rPr kumimoji="0" lang="de-DE" altLang="de-DE" sz="2400" b="0" i="0" u="none" strike="noStrike" cap="none" normalizeH="0" baseline="0" dirty="0">
-                <a:ln>
-                  <a:noFill/>
-                </a:ln>
-                <a:effectLst/>
-                <a:latin typeface="Angsana New" panose="02020603050405020304" pitchFamily="18" charset="-34"/>
-                <a:cs typeface="Angsana New" panose="02020603050405020304" pitchFamily="18" charset="-34"/>
-              </a:rPr>
-              <a:t>&gt;-Element kann dieser Bereich klar definiert und strukturiert werden. Texte, Bilder, Videos und andere Inhalte können hier harmonisch präsentiert werden. </a:t>
-            </a:r>
+            <a:endParaRPr kumimoji="0" lang="de-DE" altLang="de-DE" sz="2400" b="0" i="0" u="none" strike="noStrike" cap="none" normalizeH="0" baseline="0" dirty="0">
+              <a:ln>
+                <a:noFill/>
+              </a:ln>
+              <a:effectLst/>
+              <a:latin typeface="Angsana New" panose="02020603050405020304" pitchFamily="18" charset="-34"/>
+              <a:cs typeface="Angsana New" panose="02020603050405020304" pitchFamily="18" charset="-34"/>
+            </a:endParaRPr>
           </a:p>
         </p:txBody>
       </p:sp>
@@ -9889,30 +9900,38 @@
                 <a:latin typeface="Angsana New" panose="02020603050405020304" pitchFamily="18" charset="-34"/>
                 <a:cs typeface="Angsana New" panose="02020603050405020304" pitchFamily="18" charset="-34"/>
               </a:rPr>
-              <a:t>Inhalte wie Blog-Beiträge, Nachrichtenartikel oder Forenbeiträge benötigen eine eigenständige Darstellung. Mit dem &lt;</a:t>
+              <a:t>-Verbessert die Lesbarkeit eines bestimmten Textes</a:t>
             </a:r>
+          </a:p>
+          <a:p>
+            <a:pPr marL="0" marR="0" lvl="0" indent="0" defTabSz="914400" rtl="0" eaLnBrk="0" fontAlgn="base" latinLnBrk="0" hangingPunct="0">
+              <a:spcBef>
+                <a:spcPct val="0"/>
+              </a:spcBef>
+              <a:spcAft>
+                <a:spcPts val="600"/>
+              </a:spcAft>
+              <a:buClrTx/>
+              <a:buSzTx/>
+              <a:buFontTx/>
+              <a:buNone/>
+              <a:tabLst/>
+            </a:pPr>
             <a:r>
-              <a:rPr kumimoji="0" lang="de-DE" altLang="de-DE" sz="2400" b="0" i="0" u="none" strike="noStrike" cap="none" normalizeH="0" baseline="0" dirty="0" err="1">
-                <a:ln>
-                  <a:noFill/>
-                </a:ln>
-                <a:effectLst/>
+              <a:rPr lang="de-DE" altLang="de-DE" sz="2400" dirty="0">
                 <a:latin typeface="Angsana New" panose="02020603050405020304" pitchFamily="18" charset="-34"/>
                 <a:cs typeface="Angsana New" panose="02020603050405020304" pitchFamily="18" charset="-34"/>
               </a:rPr>
-              <a:t>article</a:t>
+              <a:t>-Diese bestimmten Texte brauchen eine separate Struktur</a:t>
             </a:r>
-            <a:r>
-              <a:rPr kumimoji="0" lang="de-DE" altLang="de-DE" sz="2400" b="0" i="0" u="none" strike="noStrike" cap="none" normalizeH="0" baseline="0" dirty="0">
-                <a:ln>
-                  <a:noFill/>
-                </a:ln>
-                <a:effectLst/>
-                <a:latin typeface="Angsana New" panose="02020603050405020304" pitchFamily="18" charset="-34"/>
-                <a:cs typeface="Angsana New" panose="02020603050405020304" pitchFamily="18" charset="-34"/>
-              </a:rPr>
-              <a:t>&gt;-Element können solche Inhalte unabhängig vom Rest der Webseite betrachtet werden, was die Lesbarkeit und Wiederverwendbarkeit verbessert. </a:t>
-            </a:r>
+            <a:endParaRPr kumimoji="0" lang="de-DE" altLang="de-DE" sz="2400" b="0" i="0" u="none" strike="noStrike" cap="none" normalizeH="0" baseline="0" dirty="0">
+              <a:ln>
+                <a:noFill/>
+              </a:ln>
+              <a:effectLst/>
+              <a:latin typeface="Angsana New" panose="02020603050405020304" pitchFamily="18" charset="-34"/>
+              <a:cs typeface="Angsana New" panose="02020603050405020304" pitchFamily="18" charset="-34"/>
+            </a:endParaRPr>
           </a:p>
         </p:txBody>
       </p:sp>
@@ -10368,35 +10387,7 @@
                 <a:latin typeface="Angsana New" panose="02020603050405020304" pitchFamily="18" charset="-34"/>
                 <a:cs typeface="Angsana New" panose="02020603050405020304" pitchFamily="18" charset="-34"/>
               </a:rPr>
-              <a:t>Um den Inhalt in logische Abschnitte zu unterteilen, dient das &lt;</a:t>
-            </a:r>
-            <a:r>
-              <a:rPr kumimoji="0" lang="de-DE" altLang="de-DE" sz="2400" b="0" i="0" u="none" strike="noStrike" cap="none" normalizeH="0" baseline="0" dirty="0" err="1">
-                <a:ln>
-                  <a:noFill/>
-                </a:ln>
-                <a:solidFill>
-                  <a:srgbClr val="FFFFFF"/>
-                </a:solidFill>
-                <a:effectLst/>
-                <a:latin typeface="Angsana New" panose="02020603050405020304" pitchFamily="18" charset="-34"/>
-                <a:cs typeface="Angsana New" panose="02020603050405020304" pitchFamily="18" charset="-34"/>
-              </a:rPr>
-              <a:t>section</a:t>
-            </a:r>
-            <a:r>
-              <a:rPr kumimoji="0" lang="de-DE" altLang="de-DE" sz="2400" b="0" i="0" u="none" strike="noStrike" cap="none" normalizeH="0" baseline="0" dirty="0">
-                <a:ln>
-                  <a:noFill/>
-                </a:ln>
-                <a:solidFill>
-                  <a:srgbClr val="FFFFFF"/>
-                </a:solidFill>
-                <a:effectLst/>
-                <a:latin typeface="Angsana New" panose="02020603050405020304" pitchFamily="18" charset="-34"/>
-                <a:cs typeface="Angsana New" panose="02020603050405020304" pitchFamily="18" charset="-34"/>
-              </a:rPr>
-              <a:t>&gt;-Element. Es ermöglicht die Gruppierung thematisch zusammenhängender Inhalte, was die Struktur der Webseite verständlicher macht und die Navigation erleichtert. </a:t>
+              <a:t>-Dient dazu, Texte in logische Abschnitte zu unterteilen</a:t>
             </a:r>
           </a:p>
         </p:txBody>
@@ -10614,29 +10605,7 @@
                 <a:latin typeface="Angsana New" panose="02020603050405020304" pitchFamily="18" charset="-34"/>
                 <a:cs typeface="Angsana New" panose="02020603050405020304" pitchFamily="18" charset="-34"/>
               </a:rPr>
-              <a:t>Zusätzliche Informationen, die nicht zum Hauptinhalt gehören, können mit dem &lt;</a:t>
-            </a:r>
-            <a:r>
-              <a:rPr kumimoji="0" lang="de-DE" altLang="de-DE" sz="2400" b="0" i="0" u="none" strike="noStrike" cap="none" normalizeH="0" baseline="0" dirty="0" err="1">
-                <a:ln>
-                  <a:noFill/>
-                </a:ln>
-                <a:effectLst/>
-                <a:latin typeface="Angsana New" panose="02020603050405020304" pitchFamily="18" charset="-34"/>
-                <a:cs typeface="Angsana New" panose="02020603050405020304" pitchFamily="18" charset="-34"/>
-              </a:rPr>
-              <a:t>aside</a:t>
-            </a:r>
-            <a:r>
-              <a:rPr kumimoji="0" lang="de-DE" altLang="de-DE" sz="2400" b="0" i="0" u="none" strike="noStrike" cap="none" normalizeH="0" baseline="0" dirty="0">
-                <a:ln>
-                  <a:noFill/>
-                </a:ln>
-                <a:effectLst/>
-                <a:latin typeface="Angsana New" panose="02020603050405020304" pitchFamily="18" charset="-34"/>
-                <a:cs typeface="Angsana New" panose="02020603050405020304" pitchFamily="18" charset="-34"/>
-              </a:rPr>
-              <a:t>&gt;-Element bereitgestellt werden. Dieses Element eignet sich ideal für Seitenleisten mit verwandten Links, Werbung oder zitierten Inhalten. </a:t>
+              <a:t>-Nebeninformationen können so separiert werden</a:t>
             </a:r>
           </a:p>
         </p:txBody>
@@ -10858,7 +10827,7 @@
                 <a:latin typeface="Angsana New" panose="02020603050405020304" pitchFamily="18" charset="-34"/>
                 <a:cs typeface="Angsana New" panose="02020603050405020304" pitchFamily="18" charset="-34"/>
               </a:rPr>
-              <a:t>Der Fußbereich einer Webseite enthält oft wichtige Informationen wie Urheberrechtsangaben, Kontaktinformationen oder Links zu rechtlichen Hinweisen. Das &lt;</a:t>
+              <a:t>-Der </a:t>
             </a:r>
             <a:r>
               <a:rPr kumimoji="0" lang="de-DE" altLang="de-DE" sz="2400" b="0" i="0" u="none" strike="noStrike" cap="none" normalizeH="0" baseline="0" dirty="0" err="1">
@@ -10869,7 +10838,7 @@
                 <a:latin typeface="Angsana New" panose="02020603050405020304" pitchFamily="18" charset="-34"/>
                 <a:cs typeface="Angsana New" panose="02020603050405020304" pitchFamily="18" charset="-34"/>
               </a:rPr>
-              <a:t>footer</a:t>
+              <a:t>Fussbereich</a:t>
             </a:r>
             <a:r>
               <a:rPr kumimoji="0" lang="de-DE" altLang="de-DE" sz="2400" b="0" i="0" u="none" strike="noStrike" cap="none" normalizeH="0" baseline="0" dirty="0">
@@ -10880,8 +10849,45 @@
                 <a:latin typeface="Angsana New" panose="02020603050405020304" pitchFamily="18" charset="-34"/>
                 <a:cs typeface="Angsana New" panose="02020603050405020304" pitchFamily="18" charset="-34"/>
               </a:rPr>
-              <a:t>&gt;-Element ermöglicht die klare Auszeichnung dieser Inhalte. </a:t>
+              <a:t> der Website</a:t>
             </a:r>
+          </a:p>
+          <a:p>
+            <a:pPr marL="0" marR="0" lvl="0" indent="0" defTabSz="914400" rtl="0" eaLnBrk="0" fontAlgn="base" latinLnBrk="0" hangingPunct="0">
+              <a:spcBef>
+                <a:spcPct val="0"/>
+              </a:spcBef>
+              <a:spcAft>
+                <a:spcPts val="600"/>
+              </a:spcAft>
+              <a:buClrTx/>
+              <a:buSzTx/>
+              <a:buFontTx/>
+              <a:buNone/>
+              <a:tabLst/>
+            </a:pPr>
+            <a:r>
+              <a:rPr lang="de-DE" altLang="de-DE" sz="2400" dirty="0">
+                <a:latin typeface="Angsana New" panose="02020603050405020304" pitchFamily="18" charset="-34"/>
+                <a:cs typeface="Angsana New" panose="02020603050405020304" pitchFamily="18" charset="-34"/>
+              </a:rPr>
+              <a:t>-Kontaktinfos und Urheberrechte werden </a:t>
+            </a:r>
+            <a:r>
+              <a:rPr lang="de-DE" altLang="de-DE" sz="2400">
+                <a:latin typeface="Angsana New" panose="02020603050405020304" pitchFamily="18" charset="-34"/>
+                <a:cs typeface="Angsana New" panose="02020603050405020304" pitchFamily="18" charset="-34"/>
+              </a:rPr>
+              <a:t>hier gesetzt</a:t>
+            </a:r>
+            <a:endParaRPr kumimoji="0" lang="de-DE" altLang="de-DE" sz="2400" b="0" i="0" u="none" strike="noStrike" cap="none" normalizeH="0" baseline="0" dirty="0">
+              <a:ln>
+                <a:noFill/>
+              </a:ln>
+              <a:effectLst/>
+              <a:latin typeface="Angsana New" panose="02020603050405020304" pitchFamily="18" charset="-34"/>
+              <a:cs typeface="Angsana New" panose="02020603050405020304" pitchFamily="18" charset="-34"/>
+            </a:endParaRPr>
           </a:p>
         </p:txBody>
       </p:sp>
@@ -11801,15 +11807,6 @@
 </file>
 
 <file path=customXml/item1.xml><?xml version="1.0" encoding="utf-8"?>
-<?mso-contentType ?>
-<FormTemplates xmlns="http://schemas.microsoft.com/sharepoint/v3/contenttype/forms">
-  <Display>DocumentLibraryForm</Display>
-  <Edit>DocumentLibraryForm</Edit>
-  <New>DocumentLibraryForm</New>
-</FormTemplates>
-</file>
-
-<file path=customXml/item2.xml><?xml version="1.0" encoding="utf-8"?>
 <ct:contentTypeSchema xmlns:ct="http://schemas.microsoft.com/office/2006/metadata/contentType" xmlns:ma="http://schemas.microsoft.com/office/2006/metadata/properties/metaAttributes" ct:_="" ma:_="" ma:contentTypeName="Dokument" ma:contentTypeID="0x0101005799E52C7C2E8145B8BCD3EDC4958089" ma:contentTypeVersion="12" ma:contentTypeDescription="Ein neues Dokument erstellen." ma:contentTypeScope="" ma:versionID="d170515c23a50ac91a8172c4a1af62ef">
   <xsd:schema xmlns:xsd="http://www.w3.org/2001/XMLSchema" xmlns:xs="http://www.w3.org/2001/XMLSchema" xmlns:p="http://schemas.microsoft.com/office/2006/metadata/properties" xmlns:ns2="d985a9cd-0765-4b5f-9c1a-fc99987bb2a7" xmlns:ns3="b19ba96f-84de-4760-a8cd-da539b3f8d9a" targetNamespace="http://schemas.microsoft.com/office/2006/metadata/properties" ma:root="true" ma:fieldsID="1a71009bd354a5f5e72c105b7f6c5876" ns2:_="" ns3:_="">
     <xsd:import namespace="d985a9cd-0765-4b5f-9c1a-fc99987bb2a7"/>
@@ -12026,15 +12023,16 @@
 </ct:contentTypeSchema>
 </file>
 
-<file path=customXml/itemProps1.xml><?xml version="1.0" encoding="utf-8"?>
-<ds:datastoreItem xmlns:ds="http://schemas.openxmlformats.org/officeDocument/2006/customXml" ds:itemID="{627A4D0A-DB26-44B8-B132-B6520DD6682B}">
-  <ds:schemaRefs>
-    <ds:schemaRef ds:uri="http://schemas.microsoft.com/sharepoint/v3/contenttype/forms"/>
-  </ds:schemaRefs>
-</ds:datastoreItem>
+<file path=customXml/item2.xml><?xml version="1.0" encoding="utf-8"?>
+<?mso-contentType ?>
+<FormTemplates xmlns="http://schemas.microsoft.com/sharepoint/v3/contenttype/forms">
+  <Display>DocumentLibraryForm</Display>
+  <Edit>DocumentLibraryForm</Edit>
+  <New>DocumentLibraryForm</New>
+</FormTemplates>
 </file>
 
-<file path=customXml/itemProps2.xml><?xml version="1.0" encoding="utf-8"?>
+<file path=customXml/itemProps1.xml><?xml version="1.0" encoding="utf-8"?>
 <ds:datastoreItem xmlns:ds="http://schemas.openxmlformats.org/officeDocument/2006/customXml" ds:itemID="{62630979-C664-41E9-92C4-AB02730EE818}">
   <ds:schemaRefs>
     <ds:schemaRef ds:uri="http://schemas.microsoft.com/office/2006/metadata/contentType"/>
@@ -12051,4 +12049,12 @@
     <ds:schemaRef ds:uri="http://schemas.microsoft.com/internal/obd"/>
   </ds:schemaRefs>
 </ds:datastoreItem>
+</file>
+
+<file path=customXml/itemProps2.xml><?xml version="1.0" encoding="utf-8"?>
+<ds:datastoreItem xmlns:ds="http://schemas.openxmlformats.org/officeDocument/2006/customXml" ds:itemID="{627A4D0A-DB26-44B8-B132-B6520DD6682B}">
+  <ds:schemaRefs>
+    <ds:schemaRef ds:uri="http://schemas.microsoft.com/sharepoint/v3/contenttype/forms"/>
+  </ds:schemaRefs>
+</ds:datastoreItem>
 </file>